--- a/public/powerpoints/_setup_the_repository_1.pptx
+++ b/public/powerpoints/_setup_the_repository_1.pptx
@@ -7,6 +7,21 @@
   <p:sldIdLst>
     <p:sldId id="256" r:id="rId6"/>
     <p:sldId id="257" r:id="rId7"/>
+    <p:sldId id="258" r:id="rId8"/>
+    <p:sldId id="259" r:id="rId9"/>
+    <p:sldId id="260" r:id="rId10"/>
+    <p:sldId id="261" r:id="rId11"/>
+    <p:sldId id="262" r:id="rId12"/>
+    <p:sldId id="263" r:id="rId13"/>
+    <p:sldId id="264" r:id="rId14"/>
+    <p:sldId id="265" r:id="rId15"/>
+    <p:sldId id="266" r:id="rId16"/>
+    <p:sldId id="267" r:id="rId17"/>
+    <p:sldId id="268" r:id="rId18"/>
+    <p:sldId id="269" r:id="rId19"/>
+    <p:sldId id="270" r:id="rId20"/>
+    <p:sldId id="271" r:id="rId21"/>
+    <p:sldId id="272" r:id="rId22"/>
   </p:sldIdLst>
   <p:sldSz cx="9144000" cy="6858000" type="screen4x3"/>
   <p:notesSz cx="6858000" cy="9144000"/>
@@ -3135,7 +3150,7 @@
 </p:sld>
 </file>
 
-<file path=ppt/slides/slide2.xml><?xml version="1.0" encoding="UTF-8" standalone="yes"?>
+<file path=ppt/slides/slide10.xml><?xml version="1.0" encoding="utf-8"?>
 <p:sld xmlns:a="http://schemas.openxmlformats.org/drawingml/2006/main" xmlns:p="http://schemas.openxmlformats.org/presentationml/2006/main" xmlns:r="http://schemas.openxmlformats.org/officeDocument/2006/relationships">
   <p:cSld>
     <p:spTree>
@@ -3189,52 +3204,1255 @@
         <p:txBody>
           <a:bodyPr/>
           <a:lstStyle/>
-          
-          <a:p>
-            <a:r>
-              <a:rPr dirty="0" lang="en-US" smtClean="0"/>
-              <a:t><pre># Install the public key for the repository (if not done previously):
-curl -fsS https://www.pgadmin.org/static/packages_pgadmin_org.pub | sudo gpg --dearmor -o /usr/share/keyrings/packages-pgadmin-org.gpg
-
-# Create the repository configuration file:
-sudo sh -c 'echo "deb [signed-by=/usr/share/keyrings/packages-pgadmin-org.gpg] https://ftp.postgresql.org/pub/pgadmin/pgadmin4/apt/$(lsb_release -cs) pgadmin4 main" &gt; /etc/apt/sources.list.d/pgadmin4.list &amp;&amp; apt update'
-
-#
-# Install pgAdmin
-#
-
-# Install for both desktop and web modes:
-sudo apt install pgadmin4</pre></a:t>
-            </a:r>
-          
-          </a:p>
-          
-          <a:p>
-            <a:r>
-              <a:rPr dirty="0" lang="en-US" smtClean="0"/>
-              <a:t><pre># Install for desktop mode only:
-sudo apt install pgadmin4-desktop
-</a:t>
-            </a:r>
-          
-          </a:p>
-          
-          <a:p>
-            <a:r>
-              <a:rPr dirty="0" lang="en-US" smtClean="0"/>
-              <a:t></pre></a:t>
-            </a:r>
-          
-          <a:endParaRPr lang="en-US"/>
-          
-          </a:p>
-          
+          <a:p>
+            <a:r>
+              <a:rPr dirty="0" lang="en-US" smtClean="0"/>
+              <a:t>Bao lần con quên Chúa khi vô ý hay khi thờ ơ…</a:t>
+            </a:r>
+          </a:p>
+          <a:p>
+            <a:r>
+              <a:rPr dirty="0" lang="en-US" smtClean="0"/>
+              <a:t>Bao phen con ngại ngần lúc làm Dấu tuyên xưng niềm tin…</a:t>
+            </a:r>
+            <a:endParaRPr lang="en-US"/>
+          </a:p>
         </p:txBody>
       </p:sp>
     </p:spTree>
     <p:extLst>
       <p:ext uri="{BB962C8B-B14F-4D97-AF65-F5344CB8AC3E}">
-        <p14:creationId val="1231192379" xmlns:p14="http://schemas.microsoft.com/office/powerpoint/2010/main"/>
+        <p14:creationId xmlns:p14="http://schemas.microsoft.com/office/powerpoint/2010/main" val="1231192379"/>
+      </p:ext>
+    </p:extLst>
+  </p:cSld>
+  <p:clrMapOvr>
+    <a:masterClrMapping/>
+  </p:clrMapOvr>
+</p:sld>
+</file>
+
+<file path=ppt/slides/slide11.xml><?xml version="1.0" encoding="utf-8"?>
+<p:sld xmlns:a="http://schemas.openxmlformats.org/drawingml/2006/main" xmlns:p="http://schemas.openxmlformats.org/presentationml/2006/main" xmlns:r="http://schemas.openxmlformats.org/officeDocument/2006/relationships">
+  <p:cSld>
+    <p:spTree>
+      <p:nvGrpSpPr>
+        <p:cNvPr id="1" name=""/>
+        <p:cNvGrpSpPr/>
+        <p:nvPr/>
+      </p:nvGrpSpPr>
+      <p:grpSpPr>
+        <a:xfrm>
+          <a:off x="0" y="0"/>
+          <a:ext cx="0" cy="0"/>
+          <a:chOff x="0" y="0"/>
+          <a:chExt cx="0" cy="0"/>
+        </a:xfrm>
+      </p:grpSpPr>
+      <p:sp>
+        <p:nvSpPr>
+          <p:cNvPr id="2" name="Title 1"/>
+          <p:cNvSpPr>
+            <a:spLocks noGrp="1"/>
+          </p:cNvSpPr>
+          <p:nvPr>
+            <p:ph type="title"/>
+          </p:nvPr>
+        </p:nvSpPr>
+        <p:spPr/>
+        <p:txBody>
+          <a:bodyPr/>
+          <a:lstStyle/>
+          <a:p>
+            <a:r>
+              <a:rPr dirty="0" lang="en-US" smtClean="0"/>
+              <a:t> SETUP THE REPOSITORY</a:t>
+            </a:r>
+            <a:endParaRPr dirty="0" lang="en-US"/>
+          </a:p>
+        </p:txBody>
+      </p:sp>
+      <p:sp>
+        <p:nvSpPr>
+          <p:cNvPr id="3" name="Content Placeholder 2"/>
+          <p:cNvSpPr>
+            <a:spLocks noGrp="1"/>
+          </p:cNvSpPr>
+          <p:nvPr>
+            <p:ph idx="1"/>
+          </p:nvPr>
+        </p:nvSpPr>
+        <p:spPr/>
+        <p:txBody>
+          <a:bodyPr/>
+          <a:lstStyle/>
+          <a:p>
+            <a:r>
+              <a:rPr dirty="0" lang="en-US" smtClean="0"/>
+              <a:t>Đã có lúc yếu hèn không làm Dấu giữa đời…</a:t>
+            </a:r>
+          </a:p>
+          <a:p>
+            <a:r>
+              <a:rPr dirty="0" lang="en-US" smtClean="0"/>
+              <a:t>Ngài ơi..giúp con bừng cháy niềm tin…</a:t>
+            </a:r>
+            <a:endParaRPr lang="en-US"/>
+          </a:p>
+        </p:txBody>
+      </p:sp>
+    </p:spTree>
+    <p:extLst>
+      <p:ext uri="{BB962C8B-B14F-4D97-AF65-F5344CB8AC3E}">
+        <p14:creationId xmlns:p14="http://schemas.microsoft.com/office/powerpoint/2010/main" val="1231192379"/>
+      </p:ext>
+    </p:extLst>
+  </p:cSld>
+  <p:clrMapOvr>
+    <a:masterClrMapping/>
+  </p:clrMapOvr>
+</p:sld>
+</file>
+
+<file path=ppt/slides/slide12.xml><?xml version="1.0" encoding="utf-8"?>
+<p:sld xmlns:a="http://schemas.openxmlformats.org/drawingml/2006/main" xmlns:p="http://schemas.openxmlformats.org/presentationml/2006/main" xmlns:r="http://schemas.openxmlformats.org/officeDocument/2006/relationships">
+  <p:cSld>
+    <p:spTree>
+      <p:nvGrpSpPr>
+        <p:cNvPr id="1" name=""/>
+        <p:cNvGrpSpPr/>
+        <p:nvPr/>
+      </p:nvGrpSpPr>
+      <p:grpSpPr>
+        <a:xfrm>
+          <a:off x="0" y="0"/>
+          <a:ext cx="0" cy="0"/>
+          <a:chOff x="0" y="0"/>
+          <a:chExt cx="0" cy="0"/>
+        </a:xfrm>
+      </p:grpSpPr>
+      <p:sp>
+        <p:nvSpPr>
+          <p:cNvPr id="2" name="Title 1"/>
+          <p:cNvSpPr>
+            <a:spLocks noGrp="1"/>
+          </p:cNvSpPr>
+          <p:nvPr>
+            <p:ph type="title"/>
+          </p:nvPr>
+        </p:nvSpPr>
+        <p:spPr/>
+        <p:txBody>
+          <a:bodyPr/>
+          <a:lstStyle/>
+          <a:p>
+            <a:r>
+              <a:rPr dirty="0" lang="en-US" smtClean="0"/>
+              <a:t> SETUP THE REPOSITORY</a:t>
+            </a:r>
+            <a:endParaRPr dirty="0" lang="en-US"/>
+          </a:p>
+        </p:txBody>
+      </p:sp>
+      <p:sp>
+        <p:nvSpPr>
+          <p:cNvPr id="3" name="Content Placeholder 2"/>
+          <p:cNvSpPr>
+            <a:spLocks noGrp="1"/>
+          </p:cNvSpPr>
+          <p:nvPr>
+            <p:ph idx="1"/>
+          </p:nvPr>
+        </p:nvSpPr>
+        <p:spPr/>
+        <p:txBody>
+          <a:bodyPr/>
+          <a:lstStyle/>
+          <a:p>
+            <a:r>
+              <a:rPr dirty="0" lang="en-US" smtClean="0"/>
+              <a:t>Giữa niềm hiểm nguy khốn khó con làm Dấu xin ơn bình an…</a:t>
+            </a:r>
+          </a:p>
+          <a:p>
+            <a:r>
+              <a:rPr dirty="0" lang="en-US" smtClean="0"/>
+              <a:t>Trong an vui ngập tràn con làm Dấu hân hoan tạ ơn…</a:t>
+            </a:r>
+            <a:endParaRPr lang="en-US"/>
+          </a:p>
+        </p:txBody>
+      </p:sp>
+    </p:spTree>
+    <p:extLst>
+      <p:ext uri="{BB962C8B-B14F-4D97-AF65-F5344CB8AC3E}">
+        <p14:creationId xmlns:p14="http://schemas.microsoft.com/office/powerpoint/2010/main" val="1231192379"/>
+      </p:ext>
+    </p:extLst>
+  </p:cSld>
+  <p:clrMapOvr>
+    <a:masterClrMapping/>
+  </p:clrMapOvr>
+</p:sld>
+</file>
+
+<file path=ppt/slides/slide13.xml><?xml version="1.0" encoding="utf-8"?>
+<p:sld xmlns:a="http://schemas.openxmlformats.org/drawingml/2006/main" xmlns:p="http://schemas.openxmlformats.org/presentationml/2006/main" xmlns:r="http://schemas.openxmlformats.org/officeDocument/2006/relationships">
+  <p:cSld>
+    <p:spTree>
+      <p:nvGrpSpPr>
+        <p:cNvPr id="1" name=""/>
+        <p:cNvGrpSpPr/>
+        <p:nvPr/>
+      </p:nvGrpSpPr>
+      <p:grpSpPr>
+        <a:xfrm>
+          <a:off x="0" y="0"/>
+          <a:ext cx="0" cy="0"/>
+          <a:chOff x="0" y="0"/>
+          <a:chExt cx="0" cy="0"/>
+        </a:xfrm>
+      </p:grpSpPr>
+      <p:sp>
+        <p:nvSpPr>
+          <p:cNvPr id="2" name="Title 1"/>
+          <p:cNvSpPr>
+            <a:spLocks noGrp="1"/>
+          </p:cNvSpPr>
+          <p:nvPr>
+            <p:ph type="title"/>
+          </p:nvPr>
+        </p:nvSpPr>
+        <p:spPr/>
+        <p:txBody>
+          <a:bodyPr/>
+          <a:lstStyle/>
+          <a:p>
+            <a:r>
+              <a:rPr dirty="0" lang="en-US" smtClean="0"/>
+              <a:t> SETUP THE REPOSITORY</a:t>
+            </a:r>
+            <a:endParaRPr dirty="0" lang="en-US"/>
+          </a:p>
+        </p:txBody>
+      </p:sp>
+      <p:sp>
+        <p:nvSpPr>
+          <p:cNvPr id="3" name="Content Placeholder 2"/>
+          <p:cNvSpPr>
+            <a:spLocks noGrp="1"/>
+          </p:cNvSpPr>
+          <p:nvPr>
+            <p:ph idx="1"/>
+          </p:nvPr>
+        </p:nvSpPr>
+        <p:spPr/>
+        <p:txBody>
+          <a:bodyPr/>
+          <a:lstStyle/>
+          <a:p>
+            <a:r>
+              <a:rPr dirty="0" lang="en-US" smtClean="0"/>
+              <a:t>Khi cô đơn thất vọng…khi mệt mỏi chán chường…</a:t>
+            </a:r>
+          </a:p>
+          <a:p>
+            <a:r>
+              <a:rPr dirty="0" lang="en-US" smtClean="0"/>
+              <a:t>Chúa ơi, ở bên con nhé…vì con đây luôn cần tới Ngài.</a:t>
+            </a:r>
+            <a:endParaRPr lang="en-US"/>
+          </a:p>
+        </p:txBody>
+      </p:sp>
+    </p:spTree>
+    <p:extLst>
+      <p:ext uri="{BB962C8B-B14F-4D97-AF65-F5344CB8AC3E}">
+        <p14:creationId xmlns:p14="http://schemas.microsoft.com/office/powerpoint/2010/main" val="1231192379"/>
+      </p:ext>
+    </p:extLst>
+  </p:cSld>
+  <p:clrMapOvr>
+    <a:masterClrMapping/>
+  </p:clrMapOvr>
+</p:sld>
+</file>
+
+<file path=ppt/slides/slide14.xml><?xml version="1.0" encoding="utf-8"?>
+<p:sld xmlns:a="http://schemas.openxmlformats.org/drawingml/2006/main" xmlns:p="http://schemas.openxmlformats.org/presentationml/2006/main" xmlns:r="http://schemas.openxmlformats.org/officeDocument/2006/relationships">
+  <p:cSld>
+    <p:spTree>
+      <p:nvGrpSpPr>
+        <p:cNvPr id="1" name=""/>
+        <p:cNvGrpSpPr/>
+        <p:nvPr/>
+      </p:nvGrpSpPr>
+      <p:grpSpPr>
+        <a:xfrm>
+          <a:off x="0" y="0"/>
+          <a:ext cx="0" cy="0"/>
+          <a:chOff x="0" y="0"/>
+          <a:chExt cx="0" cy="0"/>
+        </a:xfrm>
+      </p:grpSpPr>
+      <p:sp>
+        <p:nvSpPr>
+          <p:cNvPr id="2" name="Title 1"/>
+          <p:cNvSpPr>
+            <a:spLocks noGrp="1"/>
+          </p:cNvSpPr>
+          <p:nvPr>
+            <p:ph type="title"/>
+          </p:nvPr>
+        </p:nvSpPr>
+        <p:spPr/>
+        <p:txBody>
+          <a:bodyPr/>
+          <a:lstStyle/>
+          <a:p>
+            <a:r>
+              <a:rPr dirty="0" lang="en-US" smtClean="0"/>
+              <a:t> SETUP THE REPOSITORY</a:t>
+            </a:r>
+            <a:endParaRPr dirty="0" lang="en-US"/>
+          </a:p>
+        </p:txBody>
+      </p:sp>
+      <p:sp>
+        <p:nvSpPr>
+          <p:cNvPr id="3" name="Content Placeholder 2"/>
+          <p:cNvSpPr>
+            <a:spLocks noGrp="1"/>
+          </p:cNvSpPr>
+          <p:nvPr>
+            <p:ph idx="1"/>
+          </p:nvPr>
+        </p:nvSpPr>
+        <p:spPr/>
+        <p:txBody>
+          <a:bodyPr/>
+          <a:lstStyle/>
+          <a:p>
+            <a:r>
+              <a:rPr dirty="0" lang="en-US" smtClean="0"/>
+              <a:t>Con làm Dấu hằng ngày, con làm Dấu một đời…</a:t>
+            </a:r>
+          </a:p>
+          <a:p>
+            <a:r>
+              <a:rPr dirty="0" lang="en-US" smtClean="0"/>
+              <a:t>Khắc ghi tình yêu Ba Ngôi Thiên Chúa trong trái tim con…</a:t>
+            </a:r>
+            <a:endParaRPr lang="en-US"/>
+          </a:p>
+        </p:txBody>
+      </p:sp>
+    </p:spTree>
+    <p:extLst>
+      <p:ext uri="{BB962C8B-B14F-4D97-AF65-F5344CB8AC3E}">
+        <p14:creationId xmlns:p14="http://schemas.microsoft.com/office/powerpoint/2010/main" val="1231192379"/>
+      </p:ext>
+    </p:extLst>
+  </p:cSld>
+  <p:clrMapOvr>
+    <a:masterClrMapping/>
+  </p:clrMapOvr>
+</p:sld>
+</file>
+
+<file path=ppt/slides/slide15.xml><?xml version="1.0" encoding="utf-8"?>
+<p:sld xmlns:a="http://schemas.openxmlformats.org/drawingml/2006/main" xmlns:p="http://schemas.openxmlformats.org/presentationml/2006/main" xmlns:r="http://schemas.openxmlformats.org/officeDocument/2006/relationships">
+  <p:cSld>
+    <p:spTree>
+      <p:nvGrpSpPr>
+        <p:cNvPr id="1" name=""/>
+        <p:cNvGrpSpPr/>
+        <p:nvPr/>
+      </p:nvGrpSpPr>
+      <p:grpSpPr>
+        <a:xfrm>
+          <a:off x="0" y="0"/>
+          <a:ext cx="0" cy="0"/>
+          <a:chOff x="0" y="0"/>
+          <a:chExt cx="0" cy="0"/>
+        </a:xfrm>
+      </p:grpSpPr>
+      <p:sp>
+        <p:nvSpPr>
+          <p:cNvPr id="2" name="Title 1"/>
+          <p:cNvSpPr>
+            <a:spLocks noGrp="1"/>
+          </p:cNvSpPr>
+          <p:nvPr>
+            <p:ph type="title"/>
+          </p:nvPr>
+        </p:nvSpPr>
+        <p:spPr/>
+        <p:txBody>
+          <a:bodyPr/>
+          <a:lstStyle/>
+          <a:p>
+            <a:r>
+              <a:rPr dirty="0" lang="en-US" smtClean="0"/>
+              <a:t> SETUP THE REPOSITORY</a:t>
+            </a:r>
+            <a:endParaRPr dirty="0" lang="en-US"/>
+          </a:p>
+        </p:txBody>
+      </p:sp>
+      <p:sp>
+        <p:nvSpPr>
+          <p:cNvPr id="3" name="Content Placeholder 2"/>
+          <p:cNvSpPr>
+            <a:spLocks noGrp="1"/>
+          </p:cNvSpPr>
+          <p:nvPr>
+            <p:ph idx="1"/>
+          </p:nvPr>
+        </p:nvSpPr>
+        <p:spPr/>
+        <p:txBody>
+          <a:bodyPr/>
+          <a:lstStyle/>
+          <a:p>
+            <a:r>
+              <a:rPr dirty="0" lang="en-US" smtClean="0"/>
+              <a:t>Ôi Dấu Thánh nhiệm màu dấu ấn tình yêu…</a:t>
+            </a:r>
+          </a:p>
+          <a:p>
+            <a:r>
+              <a:rPr dirty="0" lang="en-US" smtClean="0"/>
+              <a:t>Nhắc nhở con luôn hướng lòng lên Chúa…</a:t>
+            </a:r>
+            <a:endParaRPr lang="en-US"/>
+          </a:p>
+        </p:txBody>
+      </p:sp>
+    </p:spTree>
+    <p:extLst>
+      <p:ext uri="{BB962C8B-B14F-4D97-AF65-F5344CB8AC3E}">
+        <p14:creationId xmlns:p14="http://schemas.microsoft.com/office/powerpoint/2010/main" val="1231192379"/>
+      </p:ext>
+    </p:extLst>
+  </p:cSld>
+  <p:clrMapOvr>
+    <a:masterClrMapping/>
+  </p:clrMapOvr>
+</p:sld>
+</file>
+
+<file path=ppt/slides/slide16.xml><?xml version="1.0" encoding="utf-8"?>
+<p:sld xmlns:a="http://schemas.openxmlformats.org/drawingml/2006/main" xmlns:p="http://schemas.openxmlformats.org/presentationml/2006/main" xmlns:r="http://schemas.openxmlformats.org/officeDocument/2006/relationships">
+  <p:cSld>
+    <p:spTree>
+      <p:nvGrpSpPr>
+        <p:cNvPr id="1" name=""/>
+        <p:cNvGrpSpPr/>
+        <p:nvPr/>
+      </p:nvGrpSpPr>
+      <p:grpSpPr>
+        <a:xfrm>
+          <a:off x="0" y="0"/>
+          <a:ext cx="0" cy="0"/>
+          <a:chOff x="0" y="0"/>
+          <a:chExt cx="0" cy="0"/>
+        </a:xfrm>
+      </p:grpSpPr>
+      <p:sp>
+        <p:nvSpPr>
+          <p:cNvPr id="2" name="Title 1"/>
+          <p:cNvSpPr>
+            <a:spLocks noGrp="1"/>
+          </p:cNvSpPr>
+          <p:nvPr>
+            <p:ph type="title"/>
+          </p:nvPr>
+        </p:nvSpPr>
+        <p:spPr/>
+        <p:txBody>
+          <a:bodyPr/>
+          <a:lstStyle/>
+          <a:p>
+            <a:r>
+              <a:rPr dirty="0" lang="en-US" smtClean="0"/>
+              <a:t> SETUP THE REPOSITORY</a:t>
+            </a:r>
+            <a:endParaRPr dirty="0" lang="en-US"/>
+          </a:p>
+        </p:txBody>
+      </p:sp>
+      <p:sp>
+        <p:nvSpPr>
+          <p:cNvPr id="3" name="Content Placeholder 2"/>
+          <p:cNvSpPr>
+            <a:spLocks noGrp="1"/>
+          </p:cNvSpPr>
+          <p:nvPr>
+            <p:ph idx="1"/>
+          </p:nvPr>
+        </p:nvSpPr>
+        <p:spPr/>
+        <p:txBody>
+          <a:bodyPr/>
+          <a:lstStyle/>
+          <a:p>
+            <a:r>
+              <a:rPr dirty="0" lang="en-US" smtClean="0"/>
+              <a:t>Con làm Dấu hằng ngày, con làm Dấu một đời..</a:t>
+            </a:r>
+          </a:p>
+          <a:p>
+            <a:r>
+              <a:rPr dirty="0" lang="en-US" smtClean="0"/>
+              <a:t>Khắc ghi tình yêu Ba Ngôi Thiên Chúa trong trái tim con..</a:t>
+            </a:r>
+            <a:endParaRPr lang="en-US"/>
+          </a:p>
+        </p:txBody>
+      </p:sp>
+    </p:spTree>
+    <p:extLst>
+      <p:ext uri="{BB962C8B-B14F-4D97-AF65-F5344CB8AC3E}">
+        <p14:creationId xmlns:p14="http://schemas.microsoft.com/office/powerpoint/2010/main" val="1231192379"/>
+      </p:ext>
+    </p:extLst>
+  </p:cSld>
+  <p:clrMapOvr>
+    <a:masterClrMapping/>
+  </p:clrMapOvr>
+</p:sld>
+</file>
+
+<file path=ppt/slides/slide17.xml><?xml version="1.0" encoding="utf-8"?>
+<p:sld xmlns:a="http://schemas.openxmlformats.org/drawingml/2006/main" xmlns:p="http://schemas.openxmlformats.org/presentationml/2006/main" xmlns:r="http://schemas.openxmlformats.org/officeDocument/2006/relationships">
+  <p:cSld>
+    <p:spTree>
+      <p:nvGrpSpPr>
+        <p:cNvPr id="1" name=""/>
+        <p:cNvGrpSpPr/>
+        <p:nvPr/>
+      </p:nvGrpSpPr>
+      <p:grpSpPr>
+        <a:xfrm>
+          <a:off x="0" y="0"/>
+          <a:ext cx="0" cy="0"/>
+          <a:chOff x="0" y="0"/>
+          <a:chExt cx="0" cy="0"/>
+        </a:xfrm>
+      </p:grpSpPr>
+      <p:sp>
+        <p:nvSpPr>
+          <p:cNvPr id="2" name="Title 1"/>
+          <p:cNvSpPr>
+            <a:spLocks noGrp="1"/>
+          </p:cNvSpPr>
+          <p:nvPr>
+            <p:ph type="title"/>
+          </p:nvPr>
+        </p:nvSpPr>
+        <p:spPr/>
+        <p:txBody>
+          <a:bodyPr/>
+          <a:lstStyle/>
+          <a:p>
+            <a:r>
+              <a:rPr dirty="0" lang="en-US" smtClean="0"/>
+              <a:t> SETUP THE REPOSITORY</a:t>
+            </a:r>
+            <a:endParaRPr dirty="0" lang="en-US"/>
+          </a:p>
+        </p:txBody>
+      </p:sp>
+      <p:sp>
+        <p:nvSpPr>
+          <p:cNvPr id="3" name="Content Placeholder 2"/>
+          <p:cNvSpPr>
+            <a:spLocks noGrp="1"/>
+          </p:cNvSpPr>
+          <p:nvPr>
+            <p:ph idx="1"/>
+          </p:nvPr>
+        </p:nvSpPr>
+        <p:spPr/>
+        <p:txBody>
+          <a:bodyPr/>
+          <a:lstStyle/>
+          <a:p>
+            <a:r>
+              <a:rPr dirty="0" lang="en-US" smtClean="0"/>
+              <a:t>Ôi Dấu Thánh nhiệm màu dấu ấn tình yêu..</a:t>
+            </a:r>
+          </a:p>
+          <a:p>
+            <a:r>
+              <a:rPr dirty="0" lang="en-US" smtClean="0"/>
+              <a:t>Chúa mãi ở trong con….con ở trong Chúa….</a:t>
+            </a:r>
+            <a:endParaRPr lang="en-US"/>
+          </a:p>
+        </p:txBody>
+      </p:sp>
+    </p:spTree>
+    <p:extLst>
+      <p:ext uri="{BB962C8B-B14F-4D97-AF65-F5344CB8AC3E}">
+        <p14:creationId xmlns:p14="http://schemas.microsoft.com/office/powerpoint/2010/main" val="1231192379"/>
+      </p:ext>
+    </p:extLst>
+  </p:cSld>
+  <p:clrMapOvr>
+    <a:masterClrMapping/>
+  </p:clrMapOvr>
+</p:sld>
+</file>
+
+<file path=ppt/slides/slide2.xml><?xml version="1.0" encoding="utf-8"?>
+<p:sld xmlns:a="http://schemas.openxmlformats.org/drawingml/2006/main" xmlns:p="http://schemas.openxmlformats.org/presentationml/2006/main" xmlns:r="http://schemas.openxmlformats.org/officeDocument/2006/relationships">
+  <p:cSld>
+    <p:spTree>
+      <p:nvGrpSpPr>
+        <p:cNvPr id="1" name=""/>
+        <p:cNvGrpSpPr/>
+        <p:nvPr/>
+      </p:nvGrpSpPr>
+      <p:grpSpPr>
+        <a:xfrm>
+          <a:off x="0" y="0"/>
+          <a:ext cx="0" cy="0"/>
+          <a:chOff x="0" y="0"/>
+          <a:chExt cx="0" cy="0"/>
+        </a:xfrm>
+      </p:grpSpPr>
+      <p:sp>
+        <p:nvSpPr>
+          <p:cNvPr id="2" name="Title 1"/>
+          <p:cNvSpPr>
+            <a:spLocks noGrp="1"/>
+          </p:cNvSpPr>
+          <p:nvPr>
+            <p:ph type="title"/>
+          </p:nvPr>
+        </p:nvSpPr>
+        <p:spPr/>
+        <p:txBody>
+          <a:bodyPr/>
+          <a:lstStyle/>
+          <a:p>
+            <a:r>
+              <a:rPr dirty="0" lang="en-US" smtClean="0"/>
+              <a:t> SETUP THE REPOSITORY</a:t>
+            </a:r>
+            <a:endParaRPr dirty="0" lang="en-US"/>
+          </a:p>
+        </p:txBody>
+      </p:sp>
+      <p:sp>
+        <p:nvSpPr>
+          <p:cNvPr id="3" name="Content Placeholder 2"/>
+          <p:cNvSpPr>
+            <a:spLocks noGrp="1"/>
+          </p:cNvSpPr>
+          <p:nvPr>
+            <p:ph idx="1"/>
+          </p:nvPr>
+        </p:nvSpPr>
+        <p:spPr/>
+        <p:txBody>
+          <a:bodyPr/>
+          <a:lstStyle/>
+          <a:p>
+            <a:r>
+              <a:rPr dirty="0" lang="en-US" smtClean="0"/>
+              <a:t>Con đặt tay lên trán tôn vinh Chúa Cha toàn năng…</a:t>
+            </a:r>
+          </a:p>
+          <a:p>
+            <a:r>
+              <a:rPr dirty="0" lang="en-US" smtClean="0"/>
+              <a:t>Con đưa tay xuống ngực chúc tụng Chúa Con tình yêu…</a:t>
+            </a:r>
+            <a:endParaRPr lang="en-US"/>
+          </a:p>
+        </p:txBody>
+      </p:sp>
+    </p:spTree>
+    <p:extLst>
+      <p:ext uri="{BB962C8B-B14F-4D97-AF65-F5344CB8AC3E}">
+        <p14:creationId xmlns:p14="http://schemas.microsoft.com/office/powerpoint/2010/main" val="1231192379"/>
+      </p:ext>
+    </p:extLst>
+  </p:cSld>
+  <p:clrMapOvr>
+    <a:masterClrMapping/>
+  </p:clrMapOvr>
+</p:sld>
+</file>
+
+<file path=ppt/slides/slide3.xml><?xml version="1.0" encoding="utf-8"?>
+<p:sld xmlns:a="http://schemas.openxmlformats.org/drawingml/2006/main" xmlns:p="http://schemas.openxmlformats.org/presentationml/2006/main" xmlns:r="http://schemas.openxmlformats.org/officeDocument/2006/relationships">
+  <p:cSld>
+    <p:spTree>
+      <p:nvGrpSpPr>
+        <p:cNvPr id="1" name=""/>
+        <p:cNvGrpSpPr/>
+        <p:nvPr/>
+      </p:nvGrpSpPr>
+      <p:grpSpPr>
+        <a:xfrm>
+          <a:off x="0" y="0"/>
+          <a:ext cx="0" cy="0"/>
+          <a:chOff x="0" y="0"/>
+          <a:chExt cx="0" cy="0"/>
+        </a:xfrm>
+      </p:grpSpPr>
+      <p:sp>
+        <p:nvSpPr>
+          <p:cNvPr id="2" name="Title 1"/>
+          <p:cNvSpPr>
+            <a:spLocks noGrp="1"/>
+          </p:cNvSpPr>
+          <p:nvPr>
+            <p:ph type="title"/>
+          </p:nvPr>
+        </p:nvSpPr>
+        <p:spPr/>
+        <p:txBody>
+          <a:bodyPr/>
+          <a:lstStyle/>
+          <a:p>
+            <a:r>
+              <a:rPr dirty="0" lang="en-US" smtClean="0"/>
+              <a:t> SETUP THE REPOSITORY</a:t>
+            </a:r>
+            <a:endParaRPr dirty="0" lang="en-US"/>
+          </a:p>
+        </p:txBody>
+      </p:sp>
+      <p:sp>
+        <p:nvSpPr>
+          <p:cNvPr id="3" name="Content Placeholder 2"/>
+          <p:cNvSpPr>
+            <a:spLocks noGrp="1"/>
+          </p:cNvSpPr>
+          <p:nvPr>
+            <p:ph idx="1"/>
+          </p:nvPr>
+        </p:nvSpPr>
+        <p:spPr/>
+        <p:txBody>
+          <a:bodyPr/>
+          <a:lstStyle/>
+          <a:p>
+            <a:r>
+              <a:rPr dirty="0" lang="en-US" smtClean="0"/>
+              <a:t>Đưa tay sang trái, phải vinh danh Chúa Thánh Thần…</a:t>
+            </a:r>
+          </a:p>
+          <a:p>
+            <a:r>
+              <a:rPr dirty="0" lang="en-US" smtClean="0"/>
+              <a:t>Nguồn ơn Thánh Thiêng hồng phúc đời con…</a:t>
+            </a:r>
+            <a:endParaRPr lang="en-US"/>
+          </a:p>
+        </p:txBody>
+      </p:sp>
+    </p:spTree>
+    <p:extLst>
+      <p:ext uri="{BB962C8B-B14F-4D97-AF65-F5344CB8AC3E}">
+        <p14:creationId xmlns:p14="http://schemas.microsoft.com/office/powerpoint/2010/main" val="1231192379"/>
+      </p:ext>
+    </p:extLst>
+  </p:cSld>
+  <p:clrMapOvr>
+    <a:masterClrMapping/>
+  </p:clrMapOvr>
+</p:sld>
+</file>
+
+<file path=ppt/slides/slide4.xml><?xml version="1.0" encoding="utf-8"?>
+<p:sld xmlns:a="http://schemas.openxmlformats.org/drawingml/2006/main" xmlns:p="http://schemas.openxmlformats.org/presentationml/2006/main" xmlns:r="http://schemas.openxmlformats.org/officeDocument/2006/relationships">
+  <p:cSld>
+    <p:spTree>
+      <p:nvGrpSpPr>
+        <p:cNvPr id="1" name=""/>
+        <p:cNvGrpSpPr/>
+        <p:nvPr/>
+      </p:nvGrpSpPr>
+      <p:grpSpPr>
+        <a:xfrm>
+          <a:off x="0" y="0"/>
+          <a:ext cx="0" cy="0"/>
+          <a:chOff x="0" y="0"/>
+          <a:chExt cx="0" cy="0"/>
+        </a:xfrm>
+      </p:grpSpPr>
+      <p:sp>
+        <p:nvSpPr>
+          <p:cNvPr id="2" name="Title 1"/>
+          <p:cNvSpPr>
+            <a:spLocks noGrp="1"/>
+          </p:cNvSpPr>
+          <p:nvPr>
+            <p:ph type="title"/>
+          </p:nvPr>
+        </p:nvSpPr>
+        <p:spPr/>
+        <p:txBody>
+          <a:bodyPr/>
+          <a:lstStyle/>
+          <a:p>
+            <a:r>
+              <a:rPr dirty="0" lang="en-US" smtClean="0"/>
+              <a:t> SETUP THE REPOSITORY</a:t>
+            </a:r>
+            <a:endParaRPr dirty="0" lang="en-US"/>
+          </a:p>
+        </p:txBody>
+      </p:sp>
+      <p:sp>
+        <p:nvSpPr>
+          <p:cNvPr id="3" name="Content Placeholder 2"/>
+          <p:cNvSpPr>
+            <a:spLocks noGrp="1"/>
+          </p:cNvSpPr>
+          <p:nvPr>
+            <p:ph idx="1"/>
+          </p:nvPr>
+        </p:nvSpPr>
+        <p:spPr/>
+        <p:txBody>
+          <a:bodyPr/>
+          <a:lstStyle/>
+          <a:p>
+            <a:r>
+              <a:rPr dirty="0" lang="en-US" smtClean="0"/>
+              <a:t>Mỗi lần làm Dấu Thánh xin ngự đến trong tâm hồn con…</a:t>
+            </a:r>
+          </a:p>
+          <a:p>
+            <a:r>
+              <a:rPr dirty="0" lang="en-US" smtClean="0"/>
+              <a:t>Mỗi khi con cầu nguyện xin hãy biến đổi tâm hồn con…</a:t>
+            </a:r>
+            <a:endParaRPr lang="en-US"/>
+          </a:p>
+        </p:txBody>
+      </p:sp>
+    </p:spTree>
+    <p:extLst>
+      <p:ext uri="{BB962C8B-B14F-4D97-AF65-F5344CB8AC3E}">
+        <p14:creationId xmlns:p14="http://schemas.microsoft.com/office/powerpoint/2010/main" val="1231192379"/>
+      </p:ext>
+    </p:extLst>
+  </p:cSld>
+  <p:clrMapOvr>
+    <a:masterClrMapping/>
+  </p:clrMapOvr>
+</p:sld>
+</file>
+
+<file path=ppt/slides/slide5.xml><?xml version="1.0" encoding="utf-8"?>
+<p:sld xmlns:a="http://schemas.openxmlformats.org/drawingml/2006/main" xmlns:p="http://schemas.openxmlformats.org/presentationml/2006/main" xmlns:r="http://schemas.openxmlformats.org/officeDocument/2006/relationships">
+  <p:cSld>
+    <p:spTree>
+      <p:nvGrpSpPr>
+        <p:cNvPr id="1" name=""/>
+        <p:cNvGrpSpPr/>
+        <p:nvPr/>
+      </p:nvGrpSpPr>
+      <p:grpSpPr>
+        <a:xfrm>
+          <a:off x="0" y="0"/>
+          <a:ext cx="0" cy="0"/>
+          <a:chOff x="0" y="0"/>
+          <a:chExt cx="0" cy="0"/>
+        </a:xfrm>
+      </p:grpSpPr>
+      <p:sp>
+        <p:nvSpPr>
+          <p:cNvPr id="2" name="Title 1"/>
+          <p:cNvSpPr>
+            <a:spLocks noGrp="1"/>
+          </p:cNvSpPr>
+          <p:nvPr>
+            <p:ph type="title"/>
+          </p:nvPr>
+        </p:nvSpPr>
+        <p:spPr/>
+        <p:txBody>
+          <a:bodyPr/>
+          <a:lstStyle/>
+          <a:p>
+            <a:r>
+              <a:rPr dirty="0" lang="en-US" smtClean="0"/>
+              <a:t> SETUP THE REPOSITORY</a:t>
+            </a:r>
+            <a:endParaRPr dirty="0" lang="en-US"/>
+          </a:p>
+        </p:txBody>
+      </p:sp>
+      <p:sp>
+        <p:nvSpPr>
+          <p:cNvPr id="3" name="Content Placeholder 2"/>
+          <p:cNvSpPr>
+            <a:spLocks noGrp="1"/>
+          </p:cNvSpPr>
+          <p:nvPr>
+            <p:ph idx="1"/>
+          </p:nvPr>
+        </p:nvSpPr>
+        <p:spPr/>
+        <p:txBody>
+          <a:bodyPr/>
+          <a:lstStyle/>
+          <a:p>
+            <a:r>
+              <a:rPr dirty="0" lang="en-US" smtClean="0"/>
+              <a:t>Xin cho con giống Ngài trong lời nói việc làm…</a:t>
+            </a:r>
+          </a:p>
+          <a:p>
+            <a:r>
+              <a:rPr dirty="0" lang="en-US" smtClean="0"/>
+              <a:t>Ước mong đời con nên dấu chỉ yêu thương, của ngài giữa đời…</a:t>
+            </a:r>
+            <a:endParaRPr lang="en-US"/>
+          </a:p>
+        </p:txBody>
+      </p:sp>
+    </p:spTree>
+    <p:extLst>
+      <p:ext uri="{BB962C8B-B14F-4D97-AF65-F5344CB8AC3E}">
+        <p14:creationId xmlns:p14="http://schemas.microsoft.com/office/powerpoint/2010/main" val="1231192379"/>
+      </p:ext>
+    </p:extLst>
+  </p:cSld>
+  <p:clrMapOvr>
+    <a:masterClrMapping/>
+  </p:clrMapOvr>
+</p:sld>
+</file>
+
+<file path=ppt/slides/slide6.xml><?xml version="1.0" encoding="utf-8"?>
+<p:sld xmlns:a="http://schemas.openxmlformats.org/drawingml/2006/main" xmlns:p="http://schemas.openxmlformats.org/presentationml/2006/main" xmlns:r="http://schemas.openxmlformats.org/officeDocument/2006/relationships">
+  <p:cSld>
+    <p:spTree>
+      <p:nvGrpSpPr>
+        <p:cNvPr id="1" name=""/>
+        <p:cNvGrpSpPr/>
+        <p:nvPr/>
+      </p:nvGrpSpPr>
+      <p:grpSpPr>
+        <a:xfrm>
+          <a:off x="0" y="0"/>
+          <a:ext cx="0" cy="0"/>
+          <a:chOff x="0" y="0"/>
+          <a:chExt cx="0" cy="0"/>
+        </a:xfrm>
+      </p:grpSpPr>
+      <p:sp>
+        <p:nvSpPr>
+          <p:cNvPr id="2" name="Title 1"/>
+          <p:cNvSpPr>
+            <a:spLocks noGrp="1"/>
+          </p:cNvSpPr>
+          <p:nvPr>
+            <p:ph type="title"/>
+          </p:nvPr>
+        </p:nvSpPr>
+        <p:spPr/>
+        <p:txBody>
+          <a:bodyPr/>
+          <a:lstStyle/>
+          <a:p>
+            <a:r>
+              <a:rPr dirty="0" lang="en-US" smtClean="0"/>
+              <a:t> SETUP THE REPOSITORY</a:t>
+            </a:r>
+            <a:endParaRPr dirty="0" lang="en-US"/>
+          </a:p>
+        </p:txBody>
+      </p:sp>
+      <p:sp>
+        <p:nvSpPr>
+          <p:cNvPr id="3" name="Content Placeholder 2"/>
+          <p:cNvSpPr>
+            <a:spLocks noGrp="1"/>
+          </p:cNvSpPr>
+          <p:nvPr>
+            <p:ph idx="1"/>
+          </p:nvPr>
+        </p:nvSpPr>
+        <p:spPr/>
+        <p:txBody>
+          <a:bodyPr/>
+          <a:lstStyle/>
+          <a:p>
+            <a:r>
+              <a:rPr dirty="0" lang="en-US" smtClean="0"/>
+              <a:t>Con làm Dấu hằng ngày, con làm Dấu một đời…</a:t>
+            </a:r>
+          </a:p>
+          <a:p>
+            <a:r>
+              <a:rPr dirty="0" lang="en-US" smtClean="0"/>
+              <a:t>Khắc ghi tình yêu Ba Ngôi Thiên Chúa trong trái tim con…</a:t>
+            </a:r>
+            <a:endParaRPr lang="en-US"/>
+          </a:p>
+        </p:txBody>
+      </p:sp>
+    </p:spTree>
+    <p:extLst>
+      <p:ext uri="{BB962C8B-B14F-4D97-AF65-F5344CB8AC3E}">
+        <p14:creationId xmlns:p14="http://schemas.microsoft.com/office/powerpoint/2010/main" val="1231192379"/>
+      </p:ext>
+    </p:extLst>
+  </p:cSld>
+  <p:clrMapOvr>
+    <a:masterClrMapping/>
+  </p:clrMapOvr>
+</p:sld>
+</file>
+
+<file path=ppt/slides/slide7.xml><?xml version="1.0" encoding="utf-8"?>
+<p:sld xmlns:a="http://schemas.openxmlformats.org/drawingml/2006/main" xmlns:p="http://schemas.openxmlformats.org/presentationml/2006/main" xmlns:r="http://schemas.openxmlformats.org/officeDocument/2006/relationships">
+  <p:cSld>
+    <p:spTree>
+      <p:nvGrpSpPr>
+        <p:cNvPr id="1" name=""/>
+        <p:cNvGrpSpPr/>
+        <p:nvPr/>
+      </p:nvGrpSpPr>
+      <p:grpSpPr>
+        <a:xfrm>
+          <a:off x="0" y="0"/>
+          <a:ext cx="0" cy="0"/>
+          <a:chOff x="0" y="0"/>
+          <a:chExt cx="0" cy="0"/>
+        </a:xfrm>
+      </p:grpSpPr>
+      <p:sp>
+        <p:nvSpPr>
+          <p:cNvPr id="2" name="Title 1"/>
+          <p:cNvSpPr>
+            <a:spLocks noGrp="1"/>
+          </p:cNvSpPr>
+          <p:nvPr>
+            <p:ph type="title"/>
+          </p:nvPr>
+        </p:nvSpPr>
+        <p:spPr/>
+        <p:txBody>
+          <a:bodyPr/>
+          <a:lstStyle/>
+          <a:p>
+            <a:r>
+              <a:rPr dirty="0" lang="en-US" smtClean="0"/>
+              <a:t> SETUP THE REPOSITORY</a:t>
+            </a:r>
+            <a:endParaRPr dirty="0" lang="en-US"/>
+          </a:p>
+        </p:txBody>
+      </p:sp>
+      <p:sp>
+        <p:nvSpPr>
+          <p:cNvPr id="3" name="Content Placeholder 2"/>
+          <p:cNvSpPr>
+            <a:spLocks noGrp="1"/>
+          </p:cNvSpPr>
+          <p:nvPr>
+            <p:ph idx="1"/>
+          </p:nvPr>
+        </p:nvSpPr>
+        <p:spPr/>
+        <p:txBody>
+          <a:bodyPr/>
+          <a:lstStyle/>
+          <a:p>
+            <a:r>
+              <a:rPr dirty="0" lang="en-US" smtClean="0"/>
+              <a:t>Ôi Dấu Thánh nhiệm màu dấu ấn tình yêu…</a:t>
+            </a:r>
+          </a:p>
+          <a:p>
+            <a:r>
+              <a:rPr dirty="0" lang="en-US" smtClean="0"/>
+              <a:t>Nhắc nhở con luôn hướng lòng lên Chúa…</a:t>
+            </a:r>
+            <a:endParaRPr lang="en-US"/>
+          </a:p>
+        </p:txBody>
+      </p:sp>
+    </p:spTree>
+    <p:extLst>
+      <p:ext uri="{BB962C8B-B14F-4D97-AF65-F5344CB8AC3E}">
+        <p14:creationId xmlns:p14="http://schemas.microsoft.com/office/powerpoint/2010/main" val="1231192379"/>
+      </p:ext>
+    </p:extLst>
+  </p:cSld>
+  <p:clrMapOvr>
+    <a:masterClrMapping/>
+  </p:clrMapOvr>
+</p:sld>
+</file>
+
+<file path=ppt/slides/slide8.xml><?xml version="1.0" encoding="utf-8"?>
+<p:sld xmlns:a="http://schemas.openxmlformats.org/drawingml/2006/main" xmlns:p="http://schemas.openxmlformats.org/presentationml/2006/main" xmlns:r="http://schemas.openxmlformats.org/officeDocument/2006/relationships">
+  <p:cSld>
+    <p:spTree>
+      <p:nvGrpSpPr>
+        <p:cNvPr id="1" name=""/>
+        <p:cNvGrpSpPr/>
+        <p:nvPr/>
+      </p:nvGrpSpPr>
+      <p:grpSpPr>
+        <a:xfrm>
+          <a:off x="0" y="0"/>
+          <a:ext cx="0" cy="0"/>
+          <a:chOff x="0" y="0"/>
+          <a:chExt cx="0" cy="0"/>
+        </a:xfrm>
+      </p:grpSpPr>
+      <p:sp>
+        <p:nvSpPr>
+          <p:cNvPr id="2" name="Title 1"/>
+          <p:cNvSpPr>
+            <a:spLocks noGrp="1"/>
+          </p:cNvSpPr>
+          <p:nvPr>
+            <p:ph type="title"/>
+          </p:nvPr>
+        </p:nvSpPr>
+        <p:spPr/>
+        <p:txBody>
+          <a:bodyPr/>
+          <a:lstStyle/>
+          <a:p>
+            <a:r>
+              <a:rPr dirty="0" lang="en-US" smtClean="0"/>
+              <a:t> SETUP THE REPOSITORY</a:t>
+            </a:r>
+            <a:endParaRPr dirty="0" lang="en-US"/>
+          </a:p>
+        </p:txBody>
+      </p:sp>
+      <p:sp>
+        <p:nvSpPr>
+          <p:cNvPr id="3" name="Content Placeholder 2"/>
+          <p:cNvSpPr>
+            <a:spLocks noGrp="1"/>
+          </p:cNvSpPr>
+          <p:nvPr>
+            <p:ph idx="1"/>
+          </p:nvPr>
+        </p:nvSpPr>
+        <p:spPr/>
+        <p:txBody>
+          <a:bodyPr/>
+          <a:lstStyle/>
+          <a:p>
+            <a:r>
+              <a:rPr dirty="0" lang="en-US" smtClean="0"/>
+              <a:t>Con làm Dấu hằng ngày, con làm Dấu một đời..</a:t>
+            </a:r>
+          </a:p>
+          <a:p>
+            <a:r>
+              <a:rPr dirty="0" lang="en-US" smtClean="0"/>
+              <a:t>Khắc ghi tình yêu Ba Ngôi Thiên Chúa trong trái tim con..</a:t>
+            </a:r>
+            <a:endParaRPr lang="en-US"/>
+          </a:p>
+        </p:txBody>
+      </p:sp>
+    </p:spTree>
+    <p:extLst>
+      <p:ext uri="{BB962C8B-B14F-4D97-AF65-F5344CB8AC3E}">
+        <p14:creationId xmlns:p14="http://schemas.microsoft.com/office/powerpoint/2010/main" val="1231192379"/>
+      </p:ext>
+    </p:extLst>
+  </p:cSld>
+  <p:clrMapOvr>
+    <a:masterClrMapping/>
+  </p:clrMapOvr>
+</p:sld>
+</file>
+
+<file path=ppt/slides/slide9.xml><?xml version="1.0" encoding="utf-8"?>
+<p:sld xmlns:a="http://schemas.openxmlformats.org/drawingml/2006/main" xmlns:p="http://schemas.openxmlformats.org/presentationml/2006/main" xmlns:r="http://schemas.openxmlformats.org/officeDocument/2006/relationships">
+  <p:cSld>
+    <p:spTree>
+      <p:nvGrpSpPr>
+        <p:cNvPr id="1" name=""/>
+        <p:cNvGrpSpPr/>
+        <p:nvPr/>
+      </p:nvGrpSpPr>
+      <p:grpSpPr>
+        <a:xfrm>
+          <a:off x="0" y="0"/>
+          <a:ext cx="0" cy="0"/>
+          <a:chOff x="0" y="0"/>
+          <a:chExt cx="0" cy="0"/>
+        </a:xfrm>
+      </p:grpSpPr>
+      <p:sp>
+        <p:nvSpPr>
+          <p:cNvPr id="2" name="Title 1"/>
+          <p:cNvSpPr>
+            <a:spLocks noGrp="1"/>
+          </p:cNvSpPr>
+          <p:nvPr>
+            <p:ph type="title"/>
+          </p:nvPr>
+        </p:nvSpPr>
+        <p:spPr/>
+        <p:txBody>
+          <a:bodyPr/>
+          <a:lstStyle/>
+          <a:p>
+            <a:r>
+              <a:rPr dirty="0" lang="en-US" smtClean="0"/>
+              <a:t> SETUP THE REPOSITORY</a:t>
+            </a:r>
+            <a:endParaRPr dirty="0" lang="en-US"/>
+          </a:p>
+        </p:txBody>
+      </p:sp>
+      <p:sp>
+        <p:nvSpPr>
+          <p:cNvPr id="3" name="Content Placeholder 2"/>
+          <p:cNvSpPr>
+            <a:spLocks noGrp="1"/>
+          </p:cNvSpPr>
+          <p:nvPr>
+            <p:ph idx="1"/>
+          </p:nvPr>
+        </p:nvSpPr>
+        <p:spPr/>
+        <p:txBody>
+          <a:bodyPr/>
+          <a:lstStyle/>
+          <a:p>
+            <a:r>
+              <a:rPr dirty="0" lang="en-US" smtClean="0"/>
+              <a:t>Ôi Dấu Thánh nhiệm màu dấu ấn tình yêu..</a:t>
+            </a:r>
+          </a:p>
+          <a:p>
+            <a:r>
+              <a:rPr dirty="0" lang="en-US" smtClean="0"/>
+              <a:t>Chúa mãi ở trong con….con ở trong Chúa….</a:t>
+            </a:r>
+            <a:endParaRPr lang="en-US"/>
+          </a:p>
+        </p:txBody>
+      </p:sp>
+    </p:spTree>
+    <p:extLst>
+      <p:ext uri="{BB962C8B-B14F-4D97-AF65-F5344CB8AC3E}">
+        <p14:creationId xmlns:p14="http://schemas.microsoft.com/office/powerpoint/2010/main" val="1231192379"/>
       </p:ext>
     </p:extLst>
   </p:cSld>
